--- a/开题报告/开题后报告/周颖开题报告1.pptx
+++ b/开题报告/开题后报告/周颖开题报告1.pptx
@@ -19,7 +19,7 @@
     <p:sldId id="276" r:id="rId10"/>
     <p:sldId id="272" r:id="rId11"/>
     <p:sldId id="279" r:id="rId12"/>
-    <p:sldId id="280" r:id="rId13"/>
+    <p:sldId id="281" r:id="rId13"/>
     <p:sldId id="264" r:id="rId14"/>
     <p:sldId id="265" r:id="rId15"/>
     <p:sldId id="277" r:id="rId16"/>
@@ -6617,8 +6617,8 @@
   </dgm:ptLst>
   <dgm:cxnLst>
     <dgm:cxn modelId="{CDF3C80F-5C6A-4AB5-92DD-0AD78BBE6B11}" srcId="{D8EFB7C8-412F-4199-8DAE-6FBE8F5436DE}" destId="{652D079F-7D2E-4C04-9C6B-D2236DEB8C6E}" srcOrd="0" destOrd="0" parTransId="{3406DFD5-2558-440F-A0CA-A17A47A6450B}" sibTransId="{593EB167-BA71-4AF8-828F-482956E4098D}"/>
+    <dgm:cxn modelId="{7F7E8D5E-9B85-44BB-A09B-8513BDA3AFA7}" type="presOf" srcId="{D8EFB7C8-412F-4199-8DAE-6FBE8F5436DE}" destId="{262BD96B-A029-42FD-98B0-8DCD9080A583}" srcOrd="0" destOrd="0" presId="urn:microsoft.com/office/officeart/2005/8/layout/process4"/>
     <dgm:cxn modelId="{E76509C5-0277-443D-8DAC-0388BB674F4A}" type="presOf" srcId="{652D079F-7D2E-4C04-9C6B-D2236DEB8C6E}" destId="{9EB0EFD7-1273-45B0-A3C1-FCA861C63DFA}" srcOrd="0" destOrd="0" presId="urn:microsoft.com/office/officeart/2005/8/layout/process4"/>
-    <dgm:cxn modelId="{7F7E8D5E-9B85-44BB-A09B-8513BDA3AFA7}" type="presOf" srcId="{D8EFB7C8-412F-4199-8DAE-6FBE8F5436DE}" destId="{262BD96B-A029-42FD-98B0-8DCD9080A583}" srcOrd="0" destOrd="0" presId="urn:microsoft.com/office/officeart/2005/8/layout/process4"/>
     <dgm:cxn modelId="{95B2AD9E-021C-45AC-AD91-FD7F8370CE85}" type="presParOf" srcId="{262BD96B-A029-42FD-98B0-8DCD9080A583}" destId="{F899C107-20AA-4D9D-B1AB-0E8483BEF051}" srcOrd="0" destOrd="0" presId="urn:microsoft.com/office/officeart/2005/8/layout/process4"/>
     <dgm:cxn modelId="{6440B633-DCB9-40B4-820D-93A56F2E8956}" type="presParOf" srcId="{F899C107-20AA-4D9D-B1AB-0E8483BEF051}" destId="{9EB0EFD7-1273-45B0-A3C1-FCA861C63DFA}" srcOrd="0" destOrd="0" presId="urn:microsoft.com/office/officeart/2005/8/layout/process4"/>
   </dgm:cxnLst>
@@ -7135,6 +7135,516 @@
       <dsp:cNvGrpSpPr/>
     </dsp:nvGrpSpPr>
     <dsp:grpSpPr/>
+    <dsp:sp modelId="{1BCEB79A-CFC2-4E03-AA73-CC63EE306B9E}">
+      <dsp:nvSpPr>
+        <dsp:cNvPr id="0" name=""/>
+        <dsp:cNvSpPr/>
+      </dsp:nvSpPr>
+      <dsp:spPr>
+        <a:xfrm>
+          <a:off x="0" y="4652753"/>
+          <a:ext cx="8128000" cy="763322"/>
+        </a:xfrm>
+        <a:prstGeom prst="rect">
+          <a:avLst/>
+        </a:prstGeom>
+        <a:gradFill rotWithShape="0">
+          <a:gsLst>
+            <a:gs pos="0">
+              <a:schemeClr val="lt1">
+                <a:hueOff val="0"/>
+                <a:satOff val="0"/>
+                <a:lumOff val="0"/>
+                <a:alphaOff val="0"/>
+                <a:tint val="96000"/>
+                <a:lumMod val="104000"/>
+              </a:schemeClr>
+            </a:gs>
+            <a:gs pos="100000">
+              <a:schemeClr val="lt1">
+                <a:hueOff val="0"/>
+                <a:satOff val="0"/>
+                <a:lumOff val="0"/>
+                <a:alphaOff val="0"/>
+                <a:shade val="98000"/>
+                <a:lumMod val="94000"/>
+              </a:schemeClr>
+            </a:gs>
+          </a:gsLst>
+          <a:lin ang="5400000" scaled="0"/>
+        </a:gradFill>
+        <a:ln>
+          <a:noFill/>
+        </a:ln>
+        <a:effectLst>
+          <a:outerShdw blurRad="38100" dist="25400" dir="5400000" rotWithShape="0">
+            <a:srgbClr val="000000">
+              <a:alpha val="25000"/>
+            </a:srgbClr>
+          </a:outerShdw>
+        </a:effectLst>
+      </dsp:spPr>
+      <dsp:style>
+        <a:lnRef idx="0">
+          <a:scrgbClr r="0" g="0" b="0"/>
+        </a:lnRef>
+        <a:fillRef idx="3">
+          <a:scrgbClr r="0" g="0" b="0"/>
+        </a:fillRef>
+        <a:effectRef idx="2">
+          <a:scrgbClr r="0" g="0" b="0"/>
+        </a:effectRef>
+        <a:fontRef idx="minor">
+          <a:schemeClr val="lt1"/>
+        </a:fontRef>
+      </dsp:style>
+      <dsp:txBody>
+        <a:bodyPr spcFirstLastPara="0" vert="horz" wrap="square" lIns="156464" tIns="156464" rIns="156464" bIns="156464" numCol="1" spcCol="1270" anchor="ctr" anchorCtr="0">
+          <a:noAutofit/>
+        </a:bodyPr>
+        <a:lstStyle/>
+        <a:p>
+          <a:pPr lvl="0" algn="ctr" defTabSz="977900">
+            <a:lnSpc>
+              <a:spcPct val="90000"/>
+            </a:lnSpc>
+            <a:spcBef>
+              <a:spcPct val="0"/>
+            </a:spcBef>
+            <a:spcAft>
+              <a:spcPct val="35000"/>
+            </a:spcAft>
+          </a:pPr>
+          <a:r>
+            <a:rPr lang="zh-CN" altLang="en-US" sz="2200" kern="1200" dirty="0" smtClean="0">
+              <a:latin typeface="+mn-lt"/>
+              <a:ea typeface="+mn-ea"/>
+              <a:cs typeface="+mn-ea"/>
+              <a:sym typeface="+mn-lt"/>
+            </a:rPr>
+            <a:t>存在问题与解决方案</a:t>
+          </a:r>
+          <a:endParaRPr lang="zh-CN" altLang="en-US" sz="2200" kern="1200" dirty="0">
+            <a:latin typeface="+mn-lt"/>
+            <a:ea typeface="+mn-ea"/>
+            <a:cs typeface="+mn-ea"/>
+            <a:sym typeface="+mn-lt"/>
+          </a:endParaRPr>
+        </a:p>
+      </dsp:txBody>
+      <dsp:txXfrm>
+        <a:off x="0" y="4652753"/>
+        <a:ext cx="8128000" cy="763322"/>
+      </dsp:txXfrm>
+    </dsp:sp>
+    <dsp:sp modelId="{2E1DDB7D-0F60-495D-B1AD-1ABC218A3275}">
+      <dsp:nvSpPr>
+        <dsp:cNvPr id="0" name=""/>
+        <dsp:cNvSpPr/>
+      </dsp:nvSpPr>
+      <dsp:spPr>
+        <a:xfrm rot="10800000">
+          <a:off x="0" y="3490212"/>
+          <a:ext cx="8128000" cy="1173990"/>
+        </a:xfrm>
+        <a:prstGeom prst="upArrowCallout">
+          <a:avLst/>
+        </a:prstGeom>
+        <a:gradFill rotWithShape="0">
+          <a:gsLst>
+            <a:gs pos="0">
+              <a:schemeClr val="lt1">
+                <a:hueOff val="0"/>
+                <a:satOff val="0"/>
+                <a:lumOff val="0"/>
+                <a:alphaOff val="0"/>
+                <a:tint val="96000"/>
+                <a:lumMod val="104000"/>
+              </a:schemeClr>
+            </a:gs>
+            <a:gs pos="100000">
+              <a:schemeClr val="lt1">
+                <a:hueOff val="0"/>
+                <a:satOff val="0"/>
+                <a:lumOff val="0"/>
+                <a:alphaOff val="0"/>
+                <a:shade val="98000"/>
+                <a:lumMod val="94000"/>
+              </a:schemeClr>
+            </a:gs>
+          </a:gsLst>
+          <a:lin ang="5400000" scaled="0"/>
+        </a:gradFill>
+        <a:ln>
+          <a:noFill/>
+        </a:ln>
+        <a:effectLst>
+          <a:outerShdw blurRad="38100" dist="25400" dir="5400000" rotWithShape="0">
+            <a:srgbClr val="000000">
+              <a:alpha val="25000"/>
+            </a:srgbClr>
+          </a:outerShdw>
+        </a:effectLst>
+      </dsp:spPr>
+      <dsp:style>
+        <a:lnRef idx="0">
+          <a:scrgbClr r="0" g="0" b="0"/>
+        </a:lnRef>
+        <a:fillRef idx="3">
+          <a:scrgbClr r="0" g="0" b="0"/>
+        </a:fillRef>
+        <a:effectRef idx="2">
+          <a:scrgbClr r="0" g="0" b="0"/>
+        </a:effectRef>
+        <a:fontRef idx="minor">
+          <a:schemeClr val="lt1"/>
+        </a:fontRef>
+      </dsp:style>
+      <dsp:txBody>
+        <a:bodyPr spcFirstLastPara="0" vert="horz" wrap="square" lIns="156464" tIns="156464" rIns="156464" bIns="156464" numCol="1" spcCol="1270" anchor="ctr" anchorCtr="0">
+          <a:noAutofit/>
+        </a:bodyPr>
+        <a:lstStyle/>
+        <a:p>
+          <a:pPr lvl="0" algn="ctr" defTabSz="977900">
+            <a:lnSpc>
+              <a:spcPct val="90000"/>
+            </a:lnSpc>
+            <a:spcBef>
+              <a:spcPct val="0"/>
+            </a:spcBef>
+            <a:spcAft>
+              <a:spcPct val="35000"/>
+            </a:spcAft>
+          </a:pPr>
+          <a:r>
+            <a:rPr lang="zh-CN" altLang="en-US" sz="2200" kern="1200" dirty="0" smtClean="0">
+              <a:latin typeface="+mn-lt"/>
+              <a:ea typeface="+mn-ea"/>
+              <a:cs typeface="+mn-ea"/>
+              <a:sym typeface="+mn-lt"/>
+            </a:rPr>
+            <a:t>已经完成的工作</a:t>
+          </a:r>
+          <a:endParaRPr lang="zh-CN" altLang="en-US" sz="2200" kern="1200" dirty="0">
+            <a:latin typeface="+mn-lt"/>
+            <a:ea typeface="+mn-ea"/>
+            <a:cs typeface="+mn-ea"/>
+            <a:sym typeface="+mn-lt"/>
+          </a:endParaRPr>
+        </a:p>
+      </dsp:txBody>
+      <dsp:txXfrm rot="10800000">
+        <a:off x="0" y="3490212"/>
+        <a:ext cx="8128000" cy="762823"/>
+      </dsp:txXfrm>
+    </dsp:sp>
+    <dsp:sp modelId="{4994293E-25C6-47A7-A6B7-57A868A08DF2}">
+      <dsp:nvSpPr>
+        <dsp:cNvPr id="0" name=""/>
+        <dsp:cNvSpPr/>
+      </dsp:nvSpPr>
+      <dsp:spPr>
+        <a:xfrm rot="10800000">
+          <a:off x="0" y="2327672"/>
+          <a:ext cx="8128000" cy="1173990"/>
+        </a:xfrm>
+        <a:prstGeom prst="upArrowCallout">
+          <a:avLst/>
+        </a:prstGeom>
+        <a:gradFill rotWithShape="0">
+          <a:gsLst>
+            <a:gs pos="0">
+              <a:schemeClr val="lt1">
+                <a:hueOff val="0"/>
+                <a:satOff val="0"/>
+                <a:lumOff val="0"/>
+                <a:alphaOff val="0"/>
+                <a:tint val="96000"/>
+                <a:lumMod val="104000"/>
+              </a:schemeClr>
+            </a:gs>
+            <a:gs pos="100000">
+              <a:schemeClr val="lt1">
+                <a:hueOff val="0"/>
+                <a:satOff val="0"/>
+                <a:lumOff val="0"/>
+                <a:alphaOff val="0"/>
+                <a:shade val="98000"/>
+                <a:lumMod val="94000"/>
+              </a:schemeClr>
+            </a:gs>
+          </a:gsLst>
+          <a:lin ang="5400000" scaled="0"/>
+        </a:gradFill>
+        <a:ln>
+          <a:noFill/>
+        </a:ln>
+        <a:effectLst>
+          <a:outerShdw blurRad="38100" dist="25400" dir="5400000" rotWithShape="0">
+            <a:srgbClr val="000000">
+              <a:alpha val="25000"/>
+            </a:srgbClr>
+          </a:outerShdw>
+        </a:effectLst>
+      </dsp:spPr>
+      <dsp:style>
+        <a:lnRef idx="0">
+          <a:scrgbClr r="0" g="0" b="0"/>
+        </a:lnRef>
+        <a:fillRef idx="3">
+          <a:scrgbClr r="0" g="0" b="0"/>
+        </a:fillRef>
+        <a:effectRef idx="2">
+          <a:scrgbClr r="0" g="0" b="0"/>
+        </a:effectRef>
+        <a:fontRef idx="minor">
+          <a:schemeClr val="lt1"/>
+        </a:fontRef>
+      </dsp:style>
+      <dsp:txBody>
+        <a:bodyPr spcFirstLastPara="0" vert="horz" wrap="square" lIns="156464" tIns="156464" rIns="156464" bIns="156464" numCol="1" spcCol="1270" anchor="ctr" anchorCtr="0">
+          <a:noAutofit/>
+        </a:bodyPr>
+        <a:lstStyle/>
+        <a:p>
+          <a:pPr lvl="0" algn="ctr" defTabSz="977900">
+            <a:lnSpc>
+              <a:spcPct val="90000"/>
+            </a:lnSpc>
+            <a:spcBef>
+              <a:spcPct val="0"/>
+            </a:spcBef>
+            <a:spcAft>
+              <a:spcPct val="35000"/>
+            </a:spcAft>
+          </a:pPr>
+          <a:r>
+            <a:rPr lang="zh-CN" altLang="en-US" sz="2200" kern="1200" dirty="0" smtClean="0">
+              <a:latin typeface="+mn-lt"/>
+              <a:ea typeface="+mn-ea"/>
+              <a:cs typeface="+mn-ea"/>
+              <a:sym typeface="+mn-lt"/>
+            </a:rPr>
+            <a:t>研究内容与方案</a:t>
+          </a:r>
+          <a:endParaRPr lang="zh-CN" altLang="en-US" sz="2200" kern="1200" dirty="0">
+            <a:latin typeface="+mn-lt"/>
+            <a:ea typeface="+mn-ea"/>
+            <a:cs typeface="+mn-ea"/>
+            <a:sym typeface="+mn-lt"/>
+          </a:endParaRPr>
+        </a:p>
+      </dsp:txBody>
+      <dsp:txXfrm rot="10800000">
+        <a:off x="0" y="2327672"/>
+        <a:ext cx="8128000" cy="762823"/>
+      </dsp:txXfrm>
+    </dsp:sp>
+    <dsp:sp modelId="{A63C5F17-69D4-4593-9C66-B2DE8E1340D9}">
+      <dsp:nvSpPr>
+        <dsp:cNvPr id="0" name=""/>
+        <dsp:cNvSpPr/>
+      </dsp:nvSpPr>
+      <dsp:spPr>
+        <a:xfrm rot="10800000">
+          <a:off x="0" y="1165131"/>
+          <a:ext cx="8128000" cy="1173990"/>
+        </a:xfrm>
+        <a:prstGeom prst="upArrowCallout">
+          <a:avLst/>
+        </a:prstGeom>
+        <a:gradFill rotWithShape="0">
+          <a:gsLst>
+            <a:gs pos="0">
+              <a:schemeClr val="lt1">
+                <a:hueOff val="0"/>
+                <a:satOff val="0"/>
+                <a:lumOff val="0"/>
+                <a:alphaOff val="0"/>
+                <a:tint val="96000"/>
+                <a:lumMod val="104000"/>
+              </a:schemeClr>
+            </a:gs>
+            <a:gs pos="100000">
+              <a:schemeClr val="lt1">
+                <a:hueOff val="0"/>
+                <a:satOff val="0"/>
+                <a:lumOff val="0"/>
+                <a:alphaOff val="0"/>
+                <a:shade val="98000"/>
+                <a:lumMod val="94000"/>
+              </a:schemeClr>
+            </a:gs>
+          </a:gsLst>
+          <a:lin ang="5400000" scaled="0"/>
+        </a:gradFill>
+        <a:ln>
+          <a:noFill/>
+        </a:ln>
+        <a:effectLst>
+          <a:outerShdw blurRad="38100" dist="25400" dir="5400000" rotWithShape="0">
+            <a:srgbClr val="000000">
+              <a:alpha val="25000"/>
+            </a:srgbClr>
+          </a:outerShdw>
+        </a:effectLst>
+      </dsp:spPr>
+      <dsp:style>
+        <a:lnRef idx="0">
+          <a:scrgbClr r="0" g="0" b="0"/>
+        </a:lnRef>
+        <a:fillRef idx="3">
+          <a:scrgbClr r="0" g="0" b="0"/>
+        </a:fillRef>
+        <a:effectRef idx="2">
+          <a:scrgbClr r="0" g="0" b="0"/>
+        </a:effectRef>
+        <a:fontRef idx="minor">
+          <a:schemeClr val="lt1"/>
+        </a:fontRef>
+      </dsp:style>
+      <dsp:txBody>
+        <a:bodyPr spcFirstLastPara="0" vert="horz" wrap="square" lIns="156464" tIns="156464" rIns="156464" bIns="156464" numCol="1" spcCol="1270" anchor="ctr" anchorCtr="0">
+          <a:noAutofit/>
+        </a:bodyPr>
+        <a:lstStyle/>
+        <a:p>
+          <a:pPr lvl="0" algn="ctr" defTabSz="977900">
+            <a:lnSpc>
+              <a:spcPct val="90000"/>
+            </a:lnSpc>
+            <a:spcBef>
+              <a:spcPct val="0"/>
+            </a:spcBef>
+            <a:spcAft>
+              <a:spcPct val="35000"/>
+            </a:spcAft>
+          </a:pPr>
+          <a:r>
+            <a:rPr lang="zh-CN" altLang="en-US" sz="2200" kern="1200" dirty="0" smtClean="0">
+              <a:latin typeface="+mn-lt"/>
+              <a:ea typeface="+mn-ea"/>
+              <a:cs typeface="+mn-ea"/>
+              <a:sym typeface="+mn-lt"/>
+            </a:rPr>
+            <a:t>国内外研究现状</a:t>
+          </a:r>
+          <a:endParaRPr lang="zh-CN" altLang="en-US" sz="2200" kern="1200" dirty="0">
+            <a:latin typeface="+mn-lt"/>
+            <a:ea typeface="+mn-ea"/>
+            <a:cs typeface="+mn-ea"/>
+            <a:sym typeface="+mn-lt"/>
+          </a:endParaRPr>
+        </a:p>
+      </dsp:txBody>
+      <dsp:txXfrm rot="10800000">
+        <a:off x="0" y="1165131"/>
+        <a:ext cx="8128000" cy="762823"/>
+      </dsp:txXfrm>
+    </dsp:sp>
+    <dsp:sp modelId="{5A0AA23A-6250-4B57-8B75-DC6F839963D9}">
+      <dsp:nvSpPr>
+        <dsp:cNvPr id="0" name=""/>
+        <dsp:cNvSpPr/>
+      </dsp:nvSpPr>
+      <dsp:spPr>
+        <a:xfrm rot="10800000">
+          <a:off x="0" y="2590"/>
+          <a:ext cx="8128000" cy="1173990"/>
+        </a:xfrm>
+        <a:prstGeom prst="upArrowCallout">
+          <a:avLst/>
+        </a:prstGeom>
+        <a:gradFill rotWithShape="0">
+          <a:gsLst>
+            <a:gs pos="0">
+              <a:schemeClr val="lt1">
+                <a:hueOff val="0"/>
+                <a:satOff val="0"/>
+                <a:lumOff val="0"/>
+                <a:alphaOff val="0"/>
+                <a:tint val="96000"/>
+                <a:lumMod val="104000"/>
+              </a:schemeClr>
+            </a:gs>
+            <a:gs pos="100000">
+              <a:schemeClr val="lt1">
+                <a:hueOff val="0"/>
+                <a:satOff val="0"/>
+                <a:lumOff val="0"/>
+                <a:alphaOff val="0"/>
+                <a:shade val="98000"/>
+                <a:lumMod val="94000"/>
+              </a:schemeClr>
+            </a:gs>
+          </a:gsLst>
+          <a:lin ang="5400000" scaled="0"/>
+        </a:gradFill>
+        <a:ln>
+          <a:noFill/>
+        </a:ln>
+        <a:effectLst>
+          <a:outerShdw blurRad="38100" dist="25400" dir="5400000" rotWithShape="0">
+            <a:srgbClr val="000000">
+              <a:alpha val="25000"/>
+            </a:srgbClr>
+          </a:outerShdw>
+        </a:effectLst>
+      </dsp:spPr>
+      <dsp:style>
+        <a:lnRef idx="0">
+          <a:scrgbClr r="0" g="0" b="0"/>
+        </a:lnRef>
+        <a:fillRef idx="3">
+          <a:scrgbClr r="0" g="0" b="0"/>
+        </a:fillRef>
+        <a:effectRef idx="2">
+          <a:scrgbClr r="0" g="0" b="0"/>
+        </a:effectRef>
+        <a:fontRef idx="minor">
+          <a:schemeClr val="lt1"/>
+        </a:fontRef>
+      </dsp:style>
+      <dsp:txBody>
+        <a:bodyPr spcFirstLastPara="0" vert="horz" wrap="square" lIns="156464" tIns="156464" rIns="156464" bIns="156464" numCol="1" spcCol="1270" anchor="ctr" anchorCtr="0">
+          <a:noAutofit/>
+        </a:bodyPr>
+        <a:lstStyle/>
+        <a:p>
+          <a:pPr lvl="0" algn="ctr" defTabSz="977900">
+            <a:lnSpc>
+              <a:spcPct val="90000"/>
+            </a:lnSpc>
+            <a:spcBef>
+              <a:spcPct val="0"/>
+            </a:spcBef>
+            <a:spcAft>
+              <a:spcPct val="35000"/>
+            </a:spcAft>
+          </a:pPr>
+          <a:r>
+            <a:rPr lang="zh-CN" altLang="en-US" sz="2200" kern="1200" dirty="0" smtClean="0">
+              <a:latin typeface="+mn-lt"/>
+              <a:ea typeface="+mn-ea"/>
+              <a:cs typeface="+mn-ea"/>
+              <a:sym typeface="+mn-lt"/>
+            </a:rPr>
+            <a:t>研究目的及意义</a:t>
+          </a:r>
+          <a:endParaRPr lang="zh-CN" altLang="en-US" sz="2200" kern="1200" dirty="0">
+            <a:latin typeface="+mn-lt"/>
+            <a:ea typeface="+mn-ea"/>
+            <a:cs typeface="+mn-ea"/>
+            <a:sym typeface="+mn-lt"/>
+          </a:endParaRPr>
+        </a:p>
+      </dsp:txBody>
+      <dsp:txXfrm rot="10800000">
+        <a:off x="0" y="2590"/>
+        <a:ext cx="8128000" cy="762823"/>
+      </dsp:txXfrm>
+    </dsp:sp>
   </dsp:spTree>
 </dsp:drawing>
 </file>
@@ -7147,6 +7657,117 @@
       <dsp:cNvGrpSpPr/>
     </dsp:nvGrpSpPr>
     <dsp:grpSpPr/>
+    <dsp:sp modelId="{9EB0EFD7-1273-45B0-A3C1-FCA861C63DFA}">
+      <dsp:nvSpPr>
+        <dsp:cNvPr id="0" name=""/>
+        <dsp:cNvSpPr/>
+      </dsp:nvSpPr>
+      <dsp:spPr>
+        <a:xfrm>
+          <a:off x="0" y="2300738"/>
+          <a:ext cx="8128000" cy="817189"/>
+        </a:xfrm>
+        <a:prstGeom prst="rect">
+          <a:avLst/>
+        </a:prstGeom>
+        <a:gradFill rotWithShape="0">
+          <a:gsLst>
+            <a:gs pos="0">
+              <a:schemeClr val="lt1">
+                <a:hueOff val="0"/>
+                <a:satOff val="0"/>
+                <a:lumOff val="0"/>
+                <a:alphaOff val="0"/>
+                <a:tint val="96000"/>
+                <a:lumMod val="104000"/>
+              </a:schemeClr>
+            </a:gs>
+            <a:gs pos="100000">
+              <a:schemeClr val="lt1">
+                <a:hueOff val="0"/>
+                <a:satOff val="0"/>
+                <a:lumOff val="0"/>
+                <a:alphaOff val="0"/>
+                <a:shade val="98000"/>
+                <a:lumMod val="94000"/>
+              </a:schemeClr>
+            </a:gs>
+          </a:gsLst>
+          <a:lin ang="5400000" scaled="0"/>
+        </a:gradFill>
+        <a:ln>
+          <a:noFill/>
+        </a:ln>
+        <a:effectLst>
+          <a:outerShdw blurRad="38100" dist="25400" dir="5400000" rotWithShape="0">
+            <a:srgbClr val="000000">
+              <a:alpha val="25000"/>
+            </a:srgbClr>
+          </a:outerShdw>
+        </a:effectLst>
+      </dsp:spPr>
+      <dsp:style>
+        <a:lnRef idx="0">
+          <a:scrgbClr r="0" g="0" b="0"/>
+        </a:lnRef>
+        <a:fillRef idx="3">
+          <a:scrgbClr r="0" g="0" b="0"/>
+        </a:fillRef>
+        <a:effectRef idx="2">
+          <a:scrgbClr r="0" g="0" b="0"/>
+        </a:effectRef>
+        <a:fontRef idx="minor">
+          <a:schemeClr val="lt1"/>
+        </a:fontRef>
+      </dsp:style>
+      <dsp:txBody>
+        <a:bodyPr spcFirstLastPara="0" vert="horz" wrap="square" lIns="163576" tIns="163576" rIns="163576" bIns="163576" numCol="1" spcCol="1270" anchor="ctr" anchorCtr="0">
+          <a:noAutofit/>
+        </a:bodyPr>
+        <a:lstStyle/>
+        <a:p>
+          <a:pPr lvl="0" algn="ctr" defTabSz="1022350">
+            <a:lnSpc>
+              <a:spcPct val="90000"/>
+            </a:lnSpc>
+            <a:spcBef>
+              <a:spcPct val="0"/>
+            </a:spcBef>
+            <a:spcAft>
+              <a:spcPct val="35000"/>
+            </a:spcAft>
+          </a:pPr>
+          <a:r>
+            <a:rPr lang="en-US" altLang="zh-CN" sz="2300" kern="1200" dirty="0" smtClean="0">
+              <a:latin typeface="+mn-lt"/>
+              <a:ea typeface="+mn-ea"/>
+              <a:cs typeface="+mn-ea"/>
+              <a:sym typeface="+mn-lt"/>
+            </a:rPr>
+            <a:t>1 </a:t>
+          </a:r>
+          <a:r>
+            <a:rPr lang="zh-CN" altLang="en-US" sz="2300" kern="1200" dirty="0" smtClean="0">
+              <a:latin typeface="+mn-lt"/>
+              <a:ea typeface="+mn-ea"/>
+              <a:cs typeface="+mn-ea"/>
+              <a:sym typeface="+mn-lt"/>
+            </a:rPr>
+            <a:t>研究目的及意义</a:t>
+          </a:r>
+          <a:endParaRPr lang="zh-CN" altLang="en-US" sz="2300" kern="1200" dirty="0">
+            <a:latin typeface="+mn-lt"/>
+            <a:ea typeface="+mn-ea"/>
+            <a:cs typeface="+mn-ea"/>
+            <a:sym typeface="+mn-lt"/>
+          </a:endParaRPr>
+        </a:p>
+      </dsp:txBody>
+      <dsp:txXfrm>
+        <a:off x="0" y="2300738"/>
+        <a:ext cx="8128000" cy="817189"/>
+      </dsp:txXfrm>
+    </dsp:sp>
   </dsp:spTree>
 </dsp:drawing>
 </file>
@@ -7159,6 +7780,117 @@
       <dsp:cNvGrpSpPr/>
     </dsp:nvGrpSpPr>
     <dsp:grpSpPr/>
+    <dsp:sp modelId="{9EB0EFD7-1273-45B0-A3C1-FCA861C63DFA}">
+      <dsp:nvSpPr>
+        <dsp:cNvPr id="0" name=""/>
+        <dsp:cNvSpPr/>
+      </dsp:nvSpPr>
+      <dsp:spPr>
+        <a:xfrm>
+          <a:off x="0" y="1479978"/>
+          <a:ext cx="8915400" cy="818293"/>
+        </a:xfrm>
+        <a:prstGeom prst="rect">
+          <a:avLst/>
+        </a:prstGeom>
+        <a:gradFill rotWithShape="0">
+          <a:gsLst>
+            <a:gs pos="0">
+              <a:schemeClr val="lt1">
+                <a:hueOff val="0"/>
+                <a:satOff val="0"/>
+                <a:lumOff val="0"/>
+                <a:alphaOff val="0"/>
+                <a:tint val="96000"/>
+                <a:lumMod val="104000"/>
+              </a:schemeClr>
+            </a:gs>
+            <a:gs pos="100000">
+              <a:schemeClr val="lt1">
+                <a:hueOff val="0"/>
+                <a:satOff val="0"/>
+                <a:lumOff val="0"/>
+                <a:alphaOff val="0"/>
+                <a:shade val="98000"/>
+                <a:lumMod val="94000"/>
+              </a:schemeClr>
+            </a:gs>
+          </a:gsLst>
+          <a:lin ang="5400000" scaled="0"/>
+        </a:gradFill>
+        <a:ln>
+          <a:noFill/>
+        </a:ln>
+        <a:effectLst>
+          <a:outerShdw blurRad="38100" dist="25400" dir="5400000" rotWithShape="0">
+            <a:srgbClr val="000000">
+              <a:alpha val="25000"/>
+            </a:srgbClr>
+          </a:outerShdw>
+        </a:effectLst>
+      </dsp:spPr>
+      <dsp:style>
+        <a:lnRef idx="0">
+          <a:scrgbClr r="0" g="0" b="0"/>
+        </a:lnRef>
+        <a:fillRef idx="3">
+          <a:scrgbClr r="0" g="0" b="0"/>
+        </a:fillRef>
+        <a:effectRef idx="2">
+          <a:scrgbClr r="0" g="0" b="0"/>
+        </a:effectRef>
+        <a:fontRef idx="minor">
+          <a:schemeClr val="lt1"/>
+        </a:fontRef>
+      </dsp:style>
+      <dsp:txBody>
+        <a:bodyPr spcFirstLastPara="0" vert="horz" wrap="square" lIns="163576" tIns="163576" rIns="163576" bIns="163576" numCol="1" spcCol="1270" anchor="ctr" anchorCtr="0">
+          <a:noAutofit/>
+        </a:bodyPr>
+        <a:lstStyle/>
+        <a:p>
+          <a:pPr lvl="0" algn="ctr" defTabSz="1022350">
+            <a:lnSpc>
+              <a:spcPct val="90000"/>
+            </a:lnSpc>
+            <a:spcBef>
+              <a:spcPct val="0"/>
+            </a:spcBef>
+            <a:spcAft>
+              <a:spcPct val="35000"/>
+            </a:spcAft>
+          </a:pPr>
+          <a:r>
+            <a:rPr lang="en-US" altLang="zh-CN" sz="2300" kern="1200" dirty="0" smtClean="0">
+              <a:latin typeface="+mn-lt"/>
+              <a:ea typeface="+mn-ea"/>
+              <a:cs typeface="+mn-ea"/>
+              <a:sym typeface="+mn-lt"/>
+            </a:rPr>
+            <a:t>2 </a:t>
+          </a:r>
+          <a:r>
+            <a:rPr lang="zh-CN" altLang="en-US" sz="2300" kern="1200" dirty="0" smtClean="0">
+              <a:latin typeface="+mn-lt"/>
+              <a:ea typeface="+mn-ea"/>
+              <a:cs typeface="+mn-ea"/>
+              <a:sym typeface="+mn-lt"/>
+            </a:rPr>
+            <a:t>国内外研究现状</a:t>
+          </a:r>
+          <a:endParaRPr lang="zh-CN" altLang="en-US" sz="2300" kern="1200" dirty="0">
+            <a:latin typeface="+mn-lt"/>
+            <a:ea typeface="+mn-ea"/>
+            <a:cs typeface="+mn-ea"/>
+            <a:sym typeface="+mn-lt"/>
+          </a:endParaRPr>
+        </a:p>
+      </dsp:txBody>
+      <dsp:txXfrm>
+        <a:off x="0" y="1479978"/>
+        <a:ext cx="8915400" cy="818293"/>
+      </dsp:txXfrm>
+    </dsp:sp>
   </dsp:spTree>
 </dsp:drawing>
 </file>
@@ -7171,6 +7903,117 @@
       <dsp:cNvGrpSpPr/>
     </dsp:nvGrpSpPr>
     <dsp:grpSpPr/>
+    <dsp:sp modelId="{9EB0EFD7-1273-45B0-A3C1-FCA861C63DFA}">
+      <dsp:nvSpPr>
+        <dsp:cNvPr id="0" name=""/>
+        <dsp:cNvSpPr/>
+      </dsp:nvSpPr>
+      <dsp:spPr>
+        <a:xfrm>
+          <a:off x="0" y="1479978"/>
+          <a:ext cx="8915400" cy="818293"/>
+        </a:xfrm>
+        <a:prstGeom prst="rect">
+          <a:avLst/>
+        </a:prstGeom>
+        <a:gradFill rotWithShape="0">
+          <a:gsLst>
+            <a:gs pos="0">
+              <a:schemeClr val="lt1">
+                <a:hueOff val="0"/>
+                <a:satOff val="0"/>
+                <a:lumOff val="0"/>
+                <a:alphaOff val="0"/>
+                <a:tint val="96000"/>
+                <a:lumMod val="104000"/>
+              </a:schemeClr>
+            </a:gs>
+            <a:gs pos="100000">
+              <a:schemeClr val="lt1">
+                <a:hueOff val="0"/>
+                <a:satOff val="0"/>
+                <a:lumOff val="0"/>
+                <a:alphaOff val="0"/>
+                <a:shade val="98000"/>
+                <a:lumMod val="94000"/>
+              </a:schemeClr>
+            </a:gs>
+          </a:gsLst>
+          <a:lin ang="5400000" scaled="0"/>
+        </a:gradFill>
+        <a:ln>
+          <a:noFill/>
+        </a:ln>
+        <a:effectLst>
+          <a:outerShdw blurRad="38100" dist="25400" dir="5400000" rotWithShape="0">
+            <a:srgbClr val="000000">
+              <a:alpha val="25000"/>
+            </a:srgbClr>
+          </a:outerShdw>
+        </a:effectLst>
+      </dsp:spPr>
+      <dsp:style>
+        <a:lnRef idx="0">
+          <a:scrgbClr r="0" g="0" b="0"/>
+        </a:lnRef>
+        <a:fillRef idx="3">
+          <a:scrgbClr r="0" g="0" b="0"/>
+        </a:fillRef>
+        <a:effectRef idx="2">
+          <a:scrgbClr r="0" g="0" b="0"/>
+        </a:effectRef>
+        <a:fontRef idx="minor">
+          <a:schemeClr val="lt1"/>
+        </a:fontRef>
+      </dsp:style>
+      <dsp:txBody>
+        <a:bodyPr spcFirstLastPara="0" vert="horz" wrap="square" lIns="163576" tIns="163576" rIns="163576" bIns="163576" numCol="1" spcCol="1270" anchor="ctr" anchorCtr="0">
+          <a:noAutofit/>
+        </a:bodyPr>
+        <a:lstStyle/>
+        <a:p>
+          <a:pPr lvl="0" algn="ctr" defTabSz="1022350">
+            <a:lnSpc>
+              <a:spcPct val="90000"/>
+            </a:lnSpc>
+            <a:spcBef>
+              <a:spcPct val="0"/>
+            </a:spcBef>
+            <a:spcAft>
+              <a:spcPct val="35000"/>
+            </a:spcAft>
+          </a:pPr>
+          <a:r>
+            <a:rPr lang="en-US" altLang="zh-CN" sz="2300" kern="1200" dirty="0" smtClean="0">
+              <a:latin typeface="+mn-lt"/>
+              <a:ea typeface="+mn-ea"/>
+              <a:cs typeface="+mn-ea"/>
+              <a:sym typeface="+mn-lt"/>
+            </a:rPr>
+            <a:t>3 </a:t>
+          </a:r>
+          <a:r>
+            <a:rPr lang="zh-CN" altLang="en-US" sz="2300" kern="1200" dirty="0" smtClean="0">
+              <a:latin typeface="+mn-lt"/>
+              <a:ea typeface="+mn-ea"/>
+              <a:cs typeface="+mn-ea"/>
+              <a:sym typeface="+mn-lt"/>
+            </a:rPr>
+            <a:t>研究内容与方案</a:t>
+          </a:r>
+          <a:endParaRPr lang="zh-CN" altLang="en-US" sz="2300" kern="1200" dirty="0">
+            <a:latin typeface="+mn-lt"/>
+            <a:ea typeface="+mn-ea"/>
+            <a:cs typeface="+mn-ea"/>
+            <a:sym typeface="+mn-lt"/>
+          </a:endParaRPr>
+        </a:p>
+      </dsp:txBody>
+      <dsp:txXfrm>
+        <a:off x="0" y="1479978"/>
+        <a:ext cx="8915400" cy="818293"/>
+      </dsp:txXfrm>
+    </dsp:sp>
   </dsp:spTree>
 </dsp:drawing>
 </file>
@@ -7183,6 +8026,117 @@
       <dsp:cNvGrpSpPr/>
     </dsp:nvGrpSpPr>
     <dsp:grpSpPr/>
+    <dsp:sp modelId="{9EB0EFD7-1273-45B0-A3C1-FCA861C63DFA}">
+      <dsp:nvSpPr>
+        <dsp:cNvPr id="0" name=""/>
+        <dsp:cNvSpPr/>
+      </dsp:nvSpPr>
+      <dsp:spPr>
+        <a:xfrm>
+          <a:off x="0" y="1479978"/>
+          <a:ext cx="8915400" cy="818293"/>
+        </a:xfrm>
+        <a:prstGeom prst="rect">
+          <a:avLst/>
+        </a:prstGeom>
+        <a:gradFill rotWithShape="0">
+          <a:gsLst>
+            <a:gs pos="0">
+              <a:schemeClr val="lt1">
+                <a:hueOff val="0"/>
+                <a:satOff val="0"/>
+                <a:lumOff val="0"/>
+                <a:alphaOff val="0"/>
+                <a:tint val="96000"/>
+                <a:lumMod val="104000"/>
+              </a:schemeClr>
+            </a:gs>
+            <a:gs pos="100000">
+              <a:schemeClr val="lt1">
+                <a:hueOff val="0"/>
+                <a:satOff val="0"/>
+                <a:lumOff val="0"/>
+                <a:alphaOff val="0"/>
+                <a:shade val="98000"/>
+                <a:lumMod val="94000"/>
+              </a:schemeClr>
+            </a:gs>
+          </a:gsLst>
+          <a:lin ang="5400000" scaled="0"/>
+        </a:gradFill>
+        <a:ln>
+          <a:noFill/>
+        </a:ln>
+        <a:effectLst>
+          <a:outerShdw blurRad="38100" dist="25400" dir="5400000" rotWithShape="0">
+            <a:srgbClr val="000000">
+              <a:alpha val="25000"/>
+            </a:srgbClr>
+          </a:outerShdw>
+        </a:effectLst>
+      </dsp:spPr>
+      <dsp:style>
+        <a:lnRef idx="0">
+          <a:scrgbClr r="0" g="0" b="0"/>
+        </a:lnRef>
+        <a:fillRef idx="3">
+          <a:scrgbClr r="0" g="0" b="0"/>
+        </a:fillRef>
+        <a:effectRef idx="2">
+          <a:scrgbClr r="0" g="0" b="0"/>
+        </a:effectRef>
+        <a:fontRef idx="minor">
+          <a:schemeClr val="lt1"/>
+        </a:fontRef>
+      </dsp:style>
+      <dsp:txBody>
+        <a:bodyPr spcFirstLastPara="0" vert="horz" wrap="square" lIns="163576" tIns="163576" rIns="163576" bIns="163576" numCol="1" spcCol="1270" anchor="ctr" anchorCtr="0">
+          <a:noAutofit/>
+        </a:bodyPr>
+        <a:lstStyle/>
+        <a:p>
+          <a:pPr lvl="0" algn="ctr" defTabSz="1022350">
+            <a:lnSpc>
+              <a:spcPct val="90000"/>
+            </a:lnSpc>
+            <a:spcBef>
+              <a:spcPct val="0"/>
+            </a:spcBef>
+            <a:spcAft>
+              <a:spcPct val="35000"/>
+            </a:spcAft>
+          </a:pPr>
+          <a:r>
+            <a:rPr lang="en-US" altLang="zh-CN" sz="2300" kern="1200" dirty="0" smtClean="0">
+              <a:latin typeface="+mn-lt"/>
+              <a:ea typeface="+mn-ea"/>
+              <a:cs typeface="+mn-ea"/>
+              <a:sym typeface="+mn-lt"/>
+            </a:rPr>
+            <a:t>4 </a:t>
+          </a:r>
+          <a:r>
+            <a:rPr lang="zh-CN" altLang="en-US" sz="2300" kern="1200" dirty="0" smtClean="0">
+              <a:latin typeface="+mn-lt"/>
+              <a:ea typeface="+mn-ea"/>
+              <a:cs typeface="+mn-ea"/>
+              <a:sym typeface="+mn-lt"/>
+            </a:rPr>
+            <a:t>已经完成的工作</a:t>
+          </a:r>
+          <a:endParaRPr lang="zh-CN" altLang="en-US" sz="2300" kern="1200" dirty="0">
+            <a:latin typeface="+mn-lt"/>
+            <a:ea typeface="+mn-ea"/>
+            <a:cs typeface="+mn-ea"/>
+            <a:sym typeface="+mn-lt"/>
+          </a:endParaRPr>
+        </a:p>
+      </dsp:txBody>
+      <dsp:txXfrm>
+        <a:off x="0" y="1479978"/>
+        <a:ext cx="8915400" cy="818293"/>
+      </dsp:txXfrm>
+    </dsp:sp>
   </dsp:spTree>
 </dsp:drawing>
 </file>
@@ -7195,6 +8149,117 @@
       <dsp:cNvGrpSpPr/>
     </dsp:nvGrpSpPr>
     <dsp:grpSpPr/>
+    <dsp:sp modelId="{9EB0EFD7-1273-45B0-A3C1-FCA861C63DFA}">
+      <dsp:nvSpPr>
+        <dsp:cNvPr id="0" name=""/>
+        <dsp:cNvSpPr/>
+      </dsp:nvSpPr>
+      <dsp:spPr>
+        <a:xfrm>
+          <a:off x="0" y="1479978"/>
+          <a:ext cx="8915400" cy="818293"/>
+        </a:xfrm>
+        <a:prstGeom prst="rect">
+          <a:avLst/>
+        </a:prstGeom>
+        <a:gradFill rotWithShape="0">
+          <a:gsLst>
+            <a:gs pos="0">
+              <a:schemeClr val="lt1">
+                <a:hueOff val="0"/>
+                <a:satOff val="0"/>
+                <a:lumOff val="0"/>
+                <a:alphaOff val="0"/>
+                <a:tint val="96000"/>
+                <a:lumMod val="104000"/>
+              </a:schemeClr>
+            </a:gs>
+            <a:gs pos="100000">
+              <a:schemeClr val="lt1">
+                <a:hueOff val="0"/>
+                <a:satOff val="0"/>
+                <a:lumOff val="0"/>
+                <a:alphaOff val="0"/>
+                <a:shade val="98000"/>
+                <a:lumMod val="94000"/>
+              </a:schemeClr>
+            </a:gs>
+          </a:gsLst>
+          <a:lin ang="5400000" scaled="0"/>
+        </a:gradFill>
+        <a:ln>
+          <a:noFill/>
+        </a:ln>
+        <a:effectLst>
+          <a:outerShdw blurRad="38100" dist="25400" dir="5400000" rotWithShape="0">
+            <a:srgbClr val="000000">
+              <a:alpha val="25000"/>
+            </a:srgbClr>
+          </a:outerShdw>
+        </a:effectLst>
+      </dsp:spPr>
+      <dsp:style>
+        <a:lnRef idx="0">
+          <a:scrgbClr r="0" g="0" b="0"/>
+        </a:lnRef>
+        <a:fillRef idx="3">
+          <a:scrgbClr r="0" g="0" b="0"/>
+        </a:fillRef>
+        <a:effectRef idx="2">
+          <a:scrgbClr r="0" g="0" b="0"/>
+        </a:effectRef>
+        <a:fontRef idx="minor">
+          <a:schemeClr val="lt1"/>
+        </a:fontRef>
+      </dsp:style>
+      <dsp:txBody>
+        <a:bodyPr spcFirstLastPara="0" vert="horz" wrap="square" lIns="163576" tIns="163576" rIns="163576" bIns="163576" numCol="1" spcCol="1270" anchor="ctr" anchorCtr="0">
+          <a:noAutofit/>
+        </a:bodyPr>
+        <a:lstStyle/>
+        <a:p>
+          <a:pPr lvl="0" algn="ctr" defTabSz="1022350">
+            <a:lnSpc>
+              <a:spcPct val="90000"/>
+            </a:lnSpc>
+            <a:spcBef>
+              <a:spcPct val="0"/>
+            </a:spcBef>
+            <a:spcAft>
+              <a:spcPct val="35000"/>
+            </a:spcAft>
+          </a:pPr>
+          <a:r>
+            <a:rPr lang="en-US" altLang="zh-CN" sz="2300" kern="1200" dirty="0" smtClean="0">
+              <a:latin typeface="+mn-lt"/>
+              <a:ea typeface="+mn-ea"/>
+              <a:cs typeface="+mn-ea"/>
+              <a:sym typeface="+mn-lt"/>
+            </a:rPr>
+            <a:t>5 </a:t>
+          </a:r>
+          <a:r>
+            <a:rPr lang="zh-CN" altLang="en-US" sz="2300" kern="1200" dirty="0" smtClean="0">
+              <a:latin typeface="+mn-lt"/>
+              <a:ea typeface="+mn-ea"/>
+              <a:cs typeface="+mn-ea"/>
+              <a:sym typeface="+mn-lt"/>
+            </a:rPr>
+            <a:t>存在问题及解决方案</a:t>
+          </a:r>
+          <a:endParaRPr lang="zh-CN" altLang="en-US" sz="2300" kern="1200" dirty="0">
+            <a:latin typeface="+mn-lt"/>
+            <a:ea typeface="+mn-ea"/>
+            <a:cs typeface="+mn-ea"/>
+            <a:sym typeface="+mn-lt"/>
+          </a:endParaRPr>
+        </a:p>
+      </dsp:txBody>
+      <dsp:txXfrm>
+        <a:off x="0" y="1479978"/>
+        <a:ext cx="8915400" cy="818293"/>
+      </dsp:txXfrm>
+    </dsp:sp>
   </dsp:spTree>
 </dsp:drawing>
 </file>
@@ -16990,7 +18055,7 @@
           <a:p>
             <a:fld id="{89BA90DA-16C9-4D08-9D3A-2A838DAB9965}" type="datetimeFigureOut">
               <a:rPr lang="zh-CN" altLang="en-US" smtClean="0"/>
-              <a:t>2017/9/22</a:t>
+              <a:t>2018/3/1</a:t>
             </a:fld>
             <a:endParaRPr lang="zh-CN" altLang="en-US"/>
           </a:p>
@@ -17760,7 +18825,7 @@
     </p:spTree>
     <p:extLst>
       <p:ext uri="{BB962C8B-B14F-4D97-AF65-F5344CB8AC3E}">
-        <p14:creationId xmlns:p14="http://schemas.microsoft.com/office/powerpoint/2010/main" val="3692373613"/>
+        <p14:creationId xmlns:p14="http://schemas.microsoft.com/office/powerpoint/2010/main" val="3404385670"/>
       </p:ext>
     </p:extLst>
   </p:cSld>
@@ -20588,7 +21653,7 @@
           <a:p>
             <a:fld id="{A305767E-0816-4E67-A63D-1955D959B3D4}" type="datetimeFigureOut">
               <a:rPr lang="zh-CN" altLang="en-US" smtClean="0"/>
-              <a:t>2017/9/22</a:t>
+              <a:t>2018/3/1</a:t>
             </a:fld>
             <a:endParaRPr lang="zh-CN" altLang="en-US"/>
           </a:p>
@@ -20926,7 +21991,7 @@
           <a:p>
             <a:fld id="{A305767E-0816-4E67-A63D-1955D959B3D4}" type="datetimeFigureOut">
               <a:rPr lang="zh-CN" altLang="en-US" smtClean="0"/>
-              <a:t>2017/9/22</a:t>
+              <a:t>2018/3/1</a:t>
             </a:fld>
             <a:endParaRPr lang="zh-CN" altLang="en-US"/>
           </a:p>
@@ -21327,7 +22392,7 @@
           <a:p>
             <a:fld id="{A305767E-0816-4E67-A63D-1955D959B3D4}" type="datetimeFigureOut">
               <a:rPr lang="zh-CN" altLang="en-US" smtClean="0"/>
-              <a:t>2017/9/22</a:t>
+              <a:t>2018/3/1</a:t>
             </a:fld>
             <a:endParaRPr lang="zh-CN" altLang="en-US"/>
           </a:p>
@@ -21663,7 +22728,7 @@
           <a:p>
             <a:fld id="{A305767E-0816-4E67-A63D-1955D959B3D4}" type="datetimeFigureOut">
               <a:rPr lang="zh-CN" altLang="en-US" smtClean="0"/>
-              <a:t>2017/9/22</a:t>
+              <a:t>2018/3/1</a:t>
             </a:fld>
             <a:endParaRPr lang="zh-CN" altLang="en-US"/>
           </a:p>
@@ -21983,7 +23048,7 @@
           <a:p>
             <a:fld id="{A305767E-0816-4E67-A63D-1955D959B3D4}" type="datetimeFigureOut">
               <a:rPr lang="zh-CN" altLang="en-US" smtClean="0"/>
-              <a:t>2017/9/22</a:t>
+              <a:t>2018/3/1</a:t>
             </a:fld>
             <a:endParaRPr lang="zh-CN" altLang="en-US"/>
           </a:p>
@@ -22379,7 +23444,7 @@
           <a:p>
             <a:fld id="{A305767E-0816-4E67-A63D-1955D959B3D4}" type="datetimeFigureOut">
               <a:rPr lang="zh-CN" altLang="en-US" smtClean="0"/>
-              <a:t>2017/9/22</a:t>
+              <a:t>2018/3/1</a:t>
             </a:fld>
             <a:endParaRPr lang="zh-CN" altLang="en-US"/>
           </a:p>
@@ -22636,7 +23701,7 @@
           <a:p>
             <a:fld id="{A305767E-0816-4E67-A63D-1955D959B3D4}" type="datetimeFigureOut">
               <a:rPr lang="zh-CN" altLang="en-US" smtClean="0"/>
-              <a:t>2017/9/22</a:t>
+              <a:t>2018/3/1</a:t>
             </a:fld>
             <a:endParaRPr lang="zh-CN" altLang="en-US"/>
           </a:p>
@@ -22898,7 +23963,7 @@
           <a:p>
             <a:fld id="{A305767E-0816-4E67-A63D-1955D959B3D4}" type="datetimeFigureOut">
               <a:rPr lang="zh-CN" altLang="en-US" smtClean="0"/>
-              <a:t>2017/9/22</a:t>
+              <a:t>2018/3/1</a:t>
             </a:fld>
             <a:endParaRPr lang="zh-CN" altLang="en-US"/>
           </a:p>
@@ -23112,7 +24177,7 @@
           <a:p>
             <a:fld id="{F24DFCC8-1AF7-401E-B644-7C0F23681EC7}" type="datetime1">
               <a:rPr lang="zh-CN" altLang="en-US" smtClean="0"/>
-              <a:t>2017/9/22</a:t>
+              <a:t>2018/3/1</a:t>
             </a:fld>
             <a:endParaRPr lang="zh-CN" altLang="en-US" sz="2160">
               <a:solidFill>
@@ -23401,7 +24466,7 @@
           <a:p>
             <a:fld id="{A305767E-0816-4E67-A63D-1955D959B3D4}" type="datetimeFigureOut">
               <a:rPr lang="zh-CN" altLang="en-US" smtClean="0"/>
-              <a:t>2017/9/22</a:t>
+              <a:t>2018/3/1</a:t>
             </a:fld>
             <a:endParaRPr lang="zh-CN" altLang="en-US"/>
           </a:p>
@@ -23648,7 +24713,7 @@
           <a:p>
             <a:fld id="{A305767E-0816-4E67-A63D-1955D959B3D4}" type="datetimeFigureOut">
               <a:rPr lang="zh-CN" altLang="en-US" smtClean="0"/>
-              <a:t>2017/9/22</a:t>
+              <a:t>2018/3/1</a:t>
             </a:fld>
             <a:endParaRPr lang="zh-CN" altLang="en-US"/>
           </a:p>
@@ -23971,7 +25036,7 @@
           <a:p>
             <a:fld id="{A305767E-0816-4E67-A63D-1955D959B3D4}" type="datetimeFigureOut">
               <a:rPr lang="zh-CN" altLang="en-US" smtClean="0"/>
-              <a:t>2017/9/22</a:t>
+              <a:t>2018/3/1</a:t>
             </a:fld>
             <a:endParaRPr lang="zh-CN" altLang="en-US"/>
           </a:p>
@@ -24428,7 +25493,7 @@
           <a:p>
             <a:fld id="{A305767E-0816-4E67-A63D-1955D959B3D4}" type="datetimeFigureOut">
               <a:rPr lang="zh-CN" altLang="en-US" smtClean="0"/>
-              <a:t>2017/9/22</a:t>
+              <a:t>2018/3/1</a:t>
             </a:fld>
             <a:endParaRPr lang="zh-CN" altLang="en-US"/>
           </a:p>
@@ -24633,7 +25698,7 @@
           <a:p>
             <a:fld id="{A305767E-0816-4E67-A63D-1955D959B3D4}" type="datetimeFigureOut">
               <a:rPr lang="zh-CN" altLang="en-US" smtClean="0"/>
-              <a:t>2017/9/22</a:t>
+              <a:t>2018/3/1</a:t>
             </a:fld>
             <a:endParaRPr lang="zh-CN" altLang="en-US"/>
           </a:p>
@@ -24815,7 +25880,7 @@
           <a:p>
             <a:fld id="{A305767E-0816-4E67-A63D-1955D959B3D4}" type="datetimeFigureOut">
               <a:rPr lang="zh-CN" altLang="en-US" smtClean="0"/>
-              <a:t>2017/9/22</a:t>
+              <a:t>2018/3/1</a:t>
             </a:fld>
             <a:endParaRPr lang="zh-CN" altLang="en-US"/>
           </a:p>
@@ -25148,7 +26213,7 @@
           <a:p>
             <a:fld id="{A305767E-0816-4E67-A63D-1955D959B3D4}" type="datetimeFigureOut">
               <a:rPr lang="zh-CN" altLang="en-US" smtClean="0"/>
-              <a:t>2017/9/22</a:t>
+              <a:t>2018/3/1</a:t>
             </a:fld>
             <a:endParaRPr lang="zh-CN" altLang="en-US"/>
           </a:p>
@@ -25493,7 +26558,7 @@
           <a:p>
             <a:fld id="{A305767E-0816-4E67-A63D-1955D959B3D4}" type="datetimeFigureOut">
               <a:rPr lang="zh-CN" altLang="en-US" smtClean="0"/>
-              <a:t>2017/9/22</a:t>
+              <a:t>2018/3/1</a:t>
             </a:fld>
             <a:endParaRPr lang="zh-CN" altLang="en-US"/>
           </a:p>
@@ -27610,7 +28675,7 @@
           <a:p>
             <a:fld id="{A305767E-0816-4E67-A63D-1955D959B3D4}" type="datetimeFigureOut">
               <a:rPr lang="zh-CN" altLang="en-US" smtClean="0"/>
-              <a:t>2017/9/22</a:t>
+              <a:t>2018/3/1</a:t>
             </a:fld>
             <a:endParaRPr lang="zh-CN" altLang="en-US"/>
           </a:p>
@@ -29125,7 +30190,7 @@
     </p:spTree>
     <p:extLst>
       <p:ext uri="{BB962C8B-B14F-4D97-AF65-F5344CB8AC3E}">
-        <p14:creationId xmlns:p14="http://schemas.microsoft.com/office/powerpoint/2010/main" val="3726082514"/>
+        <p14:creationId xmlns:p14="http://schemas.microsoft.com/office/powerpoint/2010/main" val="1297396501"/>
       </p:ext>
     </p:extLst>
   </p:cSld>
